--- a/1、免费课/第二周/3、免费课第八天/插入排序.pptx
+++ b/1、免费课/第二周/3、免费课第八天/插入排序.pptx
@@ -289,7 +289,7 @@
             <a:fld id="{530820CF-B880-4189-942D-D702A7CBA730}" type="datetimeFigureOut">
               <a:rPr lang="zh-CN" altLang="en-US" smtClean="0"/>
               <a:pPr/>
-              <a:t>2019/11/13</a:t>
+              <a:t>2019/12/24</a:t>
             </a:fld>
             <a:endParaRPr lang="zh-CN" altLang="en-US"/>
           </a:p>
@@ -456,7 +456,7 @@
             <a:fld id="{530820CF-B880-4189-942D-D702A7CBA730}" type="datetimeFigureOut">
               <a:rPr lang="zh-CN" altLang="en-US" smtClean="0"/>
               <a:pPr/>
-              <a:t>2019/11/13</a:t>
+              <a:t>2019/12/24</a:t>
             </a:fld>
             <a:endParaRPr lang="zh-CN" altLang="en-US"/>
           </a:p>
@@ -633,7 +633,7 @@
             <a:fld id="{530820CF-B880-4189-942D-D702A7CBA730}" type="datetimeFigureOut">
               <a:rPr lang="zh-CN" altLang="en-US" smtClean="0"/>
               <a:pPr/>
-              <a:t>2019/11/13</a:t>
+              <a:t>2019/12/24</a:t>
             </a:fld>
             <a:endParaRPr lang="zh-CN" altLang="en-US"/>
           </a:p>
@@ -800,7 +800,7 @@
             <a:fld id="{530820CF-B880-4189-942D-D702A7CBA730}" type="datetimeFigureOut">
               <a:rPr lang="zh-CN" altLang="en-US" smtClean="0"/>
               <a:pPr/>
-              <a:t>2019/11/13</a:t>
+              <a:t>2019/12/24</a:t>
             </a:fld>
             <a:endParaRPr lang="zh-CN" altLang="en-US"/>
           </a:p>
@@ -1043,7 +1043,7 @@
             <a:fld id="{530820CF-B880-4189-942D-D702A7CBA730}" type="datetimeFigureOut">
               <a:rPr lang="zh-CN" altLang="en-US" smtClean="0"/>
               <a:pPr/>
-              <a:t>2019/11/13</a:t>
+              <a:t>2019/12/24</a:t>
             </a:fld>
             <a:endParaRPr lang="zh-CN" altLang="en-US"/>
           </a:p>
@@ -1328,7 +1328,7 @@
             <a:fld id="{530820CF-B880-4189-942D-D702A7CBA730}" type="datetimeFigureOut">
               <a:rPr lang="zh-CN" altLang="en-US" smtClean="0"/>
               <a:pPr/>
-              <a:t>2019/11/13</a:t>
+              <a:t>2019/12/24</a:t>
             </a:fld>
             <a:endParaRPr lang="zh-CN" altLang="en-US"/>
           </a:p>
@@ -1747,7 +1747,7 @@
             <a:fld id="{530820CF-B880-4189-942D-D702A7CBA730}" type="datetimeFigureOut">
               <a:rPr lang="zh-CN" altLang="en-US" smtClean="0"/>
               <a:pPr/>
-              <a:t>2019/11/13</a:t>
+              <a:t>2019/12/24</a:t>
             </a:fld>
             <a:endParaRPr lang="zh-CN" altLang="en-US"/>
           </a:p>
@@ -1862,7 +1862,7 @@
             <a:fld id="{530820CF-B880-4189-942D-D702A7CBA730}" type="datetimeFigureOut">
               <a:rPr lang="zh-CN" altLang="en-US" smtClean="0"/>
               <a:pPr/>
-              <a:t>2019/11/13</a:t>
+              <a:t>2019/12/24</a:t>
             </a:fld>
             <a:endParaRPr lang="zh-CN" altLang="en-US"/>
           </a:p>
@@ -1954,7 +1954,7 @@
             <a:fld id="{530820CF-B880-4189-942D-D702A7CBA730}" type="datetimeFigureOut">
               <a:rPr lang="zh-CN" altLang="en-US" smtClean="0"/>
               <a:pPr/>
-              <a:t>2019/11/13</a:t>
+              <a:t>2019/12/24</a:t>
             </a:fld>
             <a:endParaRPr lang="zh-CN" altLang="en-US"/>
           </a:p>
@@ -2228,7 +2228,7 @@
             <a:fld id="{530820CF-B880-4189-942D-D702A7CBA730}" type="datetimeFigureOut">
               <a:rPr lang="zh-CN" altLang="en-US" smtClean="0"/>
               <a:pPr/>
-              <a:t>2019/11/13</a:t>
+              <a:t>2019/12/24</a:t>
             </a:fld>
             <a:endParaRPr lang="zh-CN" altLang="en-US"/>
           </a:p>
@@ -2478,7 +2478,7 @@
             <a:fld id="{530820CF-B880-4189-942D-D702A7CBA730}" type="datetimeFigureOut">
               <a:rPr lang="zh-CN" altLang="en-US" smtClean="0"/>
               <a:pPr/>
-              <a:t>2019/11/13</a:t>
+              <a:t>2019/12/24</a:t>
             </a:fld>
             <a:endParaRPr lang="zh-CN" altLang="en-US"/>
           </a:p>
@@ -2688,7 +2688,7 @@
             <a:fld id="{530820CF-B880-4189-942D-D702A7CBA730}" type="datetimeFigureOut">
               <a:rPr lang="zh-CN" altLang="en-US" smtClean="0"/>
               <a:pPr/>
-              <a:t>2019/11/13</a:t>
+              <a:t>2019/12/24</a:t>
             </a:fld>
             <a:endParaRPr lang="zh-CN" altLang="en-US"/>
           </a:p>
@@ -3113,40 +3113,67 @@
           <a:p>
             <a:r>
               <a:rPr lang="zh-CN" altLang="en-US" sz="1400" dirty="0" smtClean="0"/>
-              <a:t>插入排序的原理犹如抓牌，码牌</a:t>
+              <a:t>插入排序的原理犹如抓牌，码</a:t>
+            </a:r>
+            <a:r>
+              <a:rPr lang="zh-CN" altLang="en-US" sz="1400" dirty="0" smtClean="0"/>
+              <a:t>牌</a:t>
             </a:r>
             <a:endParaRPr lang="en-US" altLang="zh-CN" sz="1400" dirty="0" smtClean="0"/>
           </a:p>
           <a:p>
             <a:r>
+              <a:rPr lang="en-US" altLang="zh-CN" sz="1400" dirty="0" smtClean="0"/>
+              <a:t>1</a:t>
+            </a:r>
+            <a:r>
               <a:rPr lang="zh-CN" altLang="en-US" sz="1400" dirty="0" smtClean="0"/>
-              <a:t>抓取每一张牌，那抓取的牌和手里的牌从右往左依次做比较，如果发现比手里的牌大了，就直接插到那张牌的后面，就结束比</a:t>
+              <a:t>、先</a:t>
             </a:r>
             <a:r>
               <a:rPr lang="zh-CN" altLang="en-US" sz="1400" dirty="0" smtClean="0"/>
-              <a:t>较</a:t>
+              <a:t>抓</a:t>
+            </a:r>
+            <a:r>
+              <a:rPr lang="zh-CN" altLang="en-US" sz="1400" dirty="0" smtClean="0"/>
+              <a:t>取第一张牌放到手里</a:t>
+            </a:r>
+            <a:endParaRPr lang="en-US" altLang="zh-CN" sz="1400" dirty="0" smtClean="0"/>
+          </a:p>
+          <a:p>
+            <a:r>
+              <a:rPr lang="en-US" altLang="zh-CN" sz="1400" dirty="0" smtClean="0"/>
+              <a:t>2</a:t>
+            </a:r>
+            <a:r>
+              <a:rPr lang="zh-CN" altLang="en-US" sz="1400" dirty="0" smtClean="0"/>
+              <a:t>、抓取每一张牌，那抓取的牌和手里的牌从右往左依次做比较，如果发现抓的牌比手里的牌大了，就直接插到那张牌的后面，结束比较</a:t>
             </a:r>
             <a:r>
               <a:rPr lang="en-US" altLang="zh-CN" sz="1400" dirty="0" smtClean="0"/>
               <a:t>(</a:t>
             </a:r>
             <a:r>
+              <a:rPr lang="zh-CN" altLang="en-US" sz="1400" dirty="0" smtClean="0"/>
+              <a:t>否则就继续往左比</a:t>
+            </a:r>
+            <a:r>
+              <a:rPr lang="en-US" altLang="zh-CN" sz="1400" dirty="0" smtClean="0"/>
+              <a:t>)</a:t>
+            </a:r>
+          </a:p>
+          <a:p>
+            <a:r>
+              <a:rPr lang="en-US" altLang="zh-CN" sz="1400" dirty="0" smtClean="0"/>
+              <a:t>3</a:t>
+            </a:r>
+            <a:r>
               <a:rPr lang="zh-CN" altLang="en-US" sz="1400" smtClean="0"/>
-              <a:t>否则就继续往左比</a:t>
-            </a:r>
-            <a:r>
-              <a:rPr lang="en-US" altLang="zh-CN" sz="1400" smtClean="0"/>
-              <a:t>)</a:t>
-            </a:r>
-            <a:endParaRPr lang="en-US" altLang="zh-CN" sz="1400" dirty="0" smtClean="0"/>
-          </a:p>
-          <a:p>
-            <a:endParaRPr lang="en-US" altLang="zh-CN" sz="1400" dirty="0" smtClean="0"/>
-          </a:p>
-          <a:p>
+              <a:t>、在</a:t>
+            </a:r>
             <a:r>
               <a:rPr lang="zh-CN" altLang="en-US" sz="1400" dirty="0" smtClean="0"/>
-              <a:t>在比较的过程中，如果抓取的牌比手里的都小，放到最前边</a:t>
+              <a:t>比较的过程中，如果抓取的牌比手里的都小，放到最前边</a:t>
             </a:r>
             <a:endParaRPr lang="zh-CN" altLang="en-US" sz="1400" dirty="0"/>
           </a:p>
